--- a/doc/Icons-ZoomLab.pptx
+++ b/doc/Icons-ZoomLab.pptx
@@ -221,7 +221,7 @@
           <a:p>
             <a:fld id="{6699ACB9-486C-4D62-A3A7-AF98E13EFDA3}" type="datetimeFigureOut">
               <a:rPr lang="en-US" smtClean="0"/>
-              <a:t>6/6/2017</a:t>
+              <a:t>6/8/2017</a:t>
             </a:fld>
             <a:endParaRPr lang="en-US"/>
           </a:p>
@@ -752,7 +752,7 @@
             <a:fld id="{1D8BD707-D9CF-40AE-B4C6-C98DA3205C09}" type="datetimeFigureOut">
               <a:rPr lang="en-US" smtClean="0"/>
               <a:pPr/>
-              <a:t>6/6/2017</a:t>
+              <a:t>6/8/2017</a:t>
             </a:fld>
             <a:endParaRPr lang="en-US"/>
           </a:p>
@@ -917,7 +917,7 @@
             <a:fld id="{1D8BD707-D9CF-40AE-B4C6-C98DA3205C09}" type="datetimeFigureOut">
               <a:rPr lang="en-US" smtClean="0"/>
               <a:pPr/>
-              <a:t>6/6/2017</a:t>
+              <a:t>6/8/2017</a:t>
             </a:fld>
             <a:endParaRPr lang="en-US"/>
           </a:p>
@@ -1092,7 +1092,7 @@
             <a:fld id="{1D8BD707-D9CF-40AE-B4C6-C98DA3205C09}" type="datetimeFigureOut">
               <a:rPr lang="en-US" smtClean="0"/>
               <a:pPr/>
-              <a:t>6/6/2017</a:t>
+              <a:t>6/8/2017</a:t>
             </a:fld>
             <a:endParaRPr lang="en-US"/>
           </a:p>
@@ -1257,7 +1257,7 @@
             <a:fld id="{1D8BD707-D9CF-40AE-B4C6-C98DA3205C09}" type="datetimeFigureOut">
               <a:rPr lang="en-US" smtClean="0"/>
               <a:pPr/>
-              <a:t>6/6/2017</a:t>
+              <a:t>6/8/2017</a:t>
             </a:fld>
             <a:endParaRPr lang="en-US"/>
           </a:p>
@@ -1499,7 +1499,7 @@
             <a:fld id="{1D8BD707-D9CF-40AE-B4C6-C98DA3205C09}" type="datetimeFigureOut">
               <a:rPr lang="en-US" smtClean="0"/>
               <a:pPr/>
-              <a:t>6/6/2017</a:t>
+              <a:t>6/8/2017</a:t>
             </a:fld>
             <a:endParaRPr lang="en-US"/>
           </a:p>
@@ -1781,7 +1781,7 @@
             <a:fld id="{1D8BD707-D9CF-40AE-B4C6-C98DA3205C09}" type="datetimeFigureOut">
               <a:rPr lang="en-US" smtClean="0"/>
               <a:pPr/>
-              <a:t>6/6/2017</a:t>
+              <a:t>6/8/2017</a:t>
             </a:fld>
             <a:endParaRPr lang="en-US"/>
           </a:p>
@@ -2197,7 +2197,7 @@
             <a:fld id="{1D8BD707-D9CF-40AE-B4C6-C98DA3205C09}" type="datetimeFigureOut">
               <a:rPr lang="en-US" smtClean="0"/>
               <a:pPr/>
-              <a:t>6/6/2017</a:t>
+              <a:t>6/8/2017</a:t>
             </a:fld>
             <a:endParaRPr lang="en-US"/>
           </a:p>
@@ -2311,7 +2311,7 @@
             <a:fld id="{1D8BD707-D9CF-40AE-B4C6-C98DA3205C09}" type="datetimeFigureOut">
               <a:rPr lang="en-US" smtClean="0"/>
               <a:pPr/>
-              <a:t>6/6/2017</a:t>
+              <a:t>6/8/2017</a:t>
             </a:fld>
             <a:endParaRPr lang="en-US"/>
           </a:p>
@@ -2403,7 +2403,7 @@
             <a:fld id="{1D8BD707-D9CF-40AE-B4C6-C98DA3205C09}" type="datetimeFigureOut">
               <a:rPr lang="en-US" smtClean="0"/>
               <a:pPr/>
-              <a:t>6/6/2017</a:t>
+              <a:t>6/8/2017</a:t>
             </a:fld>
             <a:endParaRPr lang="en-US"/>
           </a:p>
@@ -2675,7 +2675,7 @@
             <a:fld id="{1D8BD707-D9CF-40AE-B4C6-C98DA3205C09}" type="datetimeFigureOut">
               <a:rPr lang="en-US" smtClean="0"/>
               <a:pPr/>
-              <a:t>6/6/2017</a:t>
+              <a:t>6/8/2017</a:t>
             </a:fld>
             <a:endParaRPr lang="en-US"/>
           </a:p>
@@ -2924,7 +2924,7 @@
             <a:fld id="{1D8BD707-D9CF-40AE-B4C6-C98DA3205C09}" type="datetimeFigureOut">
               <a:rPr lang="en-US" smtClean="0"/>
               <a:pPr/>
-              <a:t>6/6/2017</a:t>
+              <a:t>6/8/2017</a:t>
             </a:fld>
             <a:endParaRPr lang="en-US"/>
           </a:p>
@@ -3132,7 +3132,7 @@
             <a:fld id="{1D8BD707-D9CF-40AE-B4C6-C98DA3205C09}" type="datetimeFigureOut">
               <a:rPr lang="en-US" smtClean="0"/>
               <a:pPr/>
-              <a:t>6/6/2017</a:t>
+              <a:t>6/8/2017</a:t>
             </a:fld>
             <a:endParaRPr lang="en-US"/>
           </a:p>
@@ -6985,10 +6985,10 @@
         </p:nvGrpSpPr>
         <p:grpSpPr>
           <a:xfrm>
-            <a:off x="3859409" y="2431818"/>
-            <a:ext cx="569489" cy="531990"/>
-            <a:chOff x="7147252" y="2963172"/>
-            <a:chExt cx="507338" cy="473932"/>
+            <a:off x="3859415" y="2431822"/>
+            <a:ext cx="569500" cy="531985"/>
+            <a:chOff x="7147217" y="2963172"/>
+            <a:chExt cx="507345" cy="473927"/>
           </a:xfrm>
         </p:grpSpPr>
         <p:sp>
@@ -6999,8 +6999,8 @@
           </p:nvSpPr>
           <p:spPr>
             <a:xfrm>
-              <a:off x="7147252" y="2969767"/>
-              <a:ext cx="477948" cy="447308"/>
+              <a:off x="7147217" y="2969764"/>
+              <a:ext cx="477946" cy="447307"/>
             </a:xfrm>
             <a:custGeom>
               <a:avLst/>
@@ -7106,8 +7106,8 @@
           </p:nvSpPr>
           <p:spPr>
             <a:xfrm>
-              <a:off x="7246998" y="3131343"/>
-              <a:ext cx="407592" cy="305761"/>
+              <a:off x="7246971" y="3131338"/>
+              <a:ext cx="407591" cy="305761"/>
             </a:xfrm>
             <a:prstGeom prst="rect">
               <a:avLst/>
@@ -7153,7 +7153,7 @@
           </p:nvSpPr>
           <p:spPr>
             <a:xfrm>
-              <a:off x="7147252" y="2963172"/>
+              <a:off x="7147246" y="2963172"/>
               <a:ext cx="104768" cy="78593"/>
             </a:xfrm>
             <a:prstGeom prst="rect">
@@ -7392,6 +7392,777 @@
           </p:txBody>
         </p:sp>
       </p:grpSp>
+      <p:sp>
+        <p:nvSpPr>
+          <p:cNvPr id="115" name="Freeform: Shape 114"/>
+          <p:cNvSpPr/>
+          <p:nvPr/>
+        </p:nvSpPr>
+        <p:spPr>
+          <a:xfrm>
+            <a:off x="2827547" y="3552023"/>
+            <a:ext cx="485582" cy="457649"/>
+          </a:xfrm>
+          <a:custGeom>
+            <a:avLst/>
+            <a:gdLst>
+              <a:gd name="connsiteX0" fmla="*/ 0 w 485582"/>
+              <a:gd name="connsiteY0" fmla="*/ 12500 h 457649"/>
+              <a:gd name="connsiteX1" fmla="*/ 91397 w 485582"/>
+              <a:gd name="connsiteY1" fmla="*/ 170174 h 457649"/>
+              <a:gd name="connsiteX2" fmla="*/ 91397 w 485582"/>
+              <a:gd name="connsiteY2" fmla="*/ 457649 h 457649"/>
+              <a:gd name="connsiteX3" fmla="*/ 1621 w 485582"/>
+              <a:gd name="connsiteY3" fmla="*/ 67567 h 457649"/>
+              <a:gd name="connsiteX4" fmla="*/ 14020 w 485582"/>
+              <a:gd name="connsiteY4" fmla="*/ 0 h 457649"/>
+              <a:gd name="connsiteX5" fmla="*/ 99045 w 485582"/>
+              <a:gd name="connsiteY5" fmla="*/ 0 h 457649"/>
+              <a:gd name="connsiteX6" fmla="*/ 485582 w 485582"/>
+              <a:gd name="connsiteY6" fmla="*/ 156860 h 457649"/>
+              <a:gd name="connsiteX7" fmla="*/ 104945 w 485582"/>
+              <a:gd name="connsiteY7" fmla="*/ 156860 h 457649"/>
+            </a:gdLst>
+            <a:ahLst/>
+            <a:cxnLst>
+              <a:cxn ang="0">
+                <a:pos x="connsiteX0" y="connsiteY0"/>
+              </a:cxn>
+              <a:cxn ang="0">
+                <a:pos x="connsiteX1" y="connsiteY1"/>
+              </a:cxn>
+              <a:cxn ang="0">
+                <a:pos x="connsiteX2" y="connsiteY2"/>
+              </a:cxn>
+              <a:cxn ang="0">
+                <a:pos x="connsiteX3" y="connsiteY3"/>
+              </a:cxn>
+              <a:cxn ang="0">
+                <a:pos x="connsiteX4" y="connsiteY4"/>
+              </a:cxn>
+              <a:cxn ang="0">
+                <a:pos x="connsiteX5" y="connsiteY5"/>
+              </a:cxn>
+              <a:cxn ang="0">
+                <a:pos x="connsiteX6" y="connsiteY6"/>
+              </a:cxn>
+              <a:cxn ang="0">
+                <a:pos x="connsiteX7" y="connsiteY7"/>
+              </a:cxn>
+            </a:cxnLst>
+            <a:rect l="l" t="t" r="r" b="b"/>
+            <a:pathLst>
+              <a:path w="485582" h="457649">
+                <a:moveTo>
+                  <a:pt x="0" y="12500"/>
+                </a:moveTo>
+                <a:lnTo>
+                  <a:pt x="91397" y="170174"/>
+                </a:lnTo>
+                <a:lnTo>
+                  <a:pt x="91397" y="457649"/>
+                </a:lnTo>
+                <a:lnTo>
+                  <a:pt x="1621" y="67567"/>
+                </a:lnTo>
+                <a:close/>
+                <a:moveTo>
+                  <a:pt x="14020" y="0"/>
+                </a:moveTo>
+                <a:lnTo>
+                  <a:pt x="99045" y="0"/>
+                </a:lnTo>
+                <a:lnTo>
+                  <a:pt x="485582" y="156860"/>
+                </a:lnTo>
+                <a:lnTo>
+                  <a:pt x="104945" y="156860"/>
+                </a:lnTo>
+                <a:close/>
+              </a:path>
+            </a:pathLst>
+          </a:custGeom>
+          <a:solidFill>
+            <a:srgbClr val="F79646"/>
+          </a:solidFill>
+          <a:ln>
+            <a:noFill/>
+          </a:ln>
+        </p:spPr>
+        <p:style>
+          <a:lnRef idx="2">
+            <a:schemeClr val="accent1">
+              <a:shade val="50000"/>
+            </a:schemeClr>
+          </a:lnRef>
+          <a:fillRef idx="1">
+            <a:schemeClr val="accent1"/>
+          </a:fillRef>
+          <a:effectRef idx="0">
+            <a:schemeClr val="accent1"/>
+          </a:effectRef>
+          <a:fontRef idx="minor">
+            <a:schemeClr val="lt1"/>
+          </a:fontRef>
+        </p:style>
+        <p:txBody>
+          <a:bodyPr wrap="square" rtlCol="0" anchor="ctr">
+            <a:noAutofit/>
+          </a:bodyPr>
+          <a:lstStyle/>
+          <a:p>
+            <a:pPr algn="ctr"/>
+            <a:endParaRPr lang="en-US"/>
+          </a:p>
+        </p:txBody>
+      </p:sp>
+      <p:sp>
+        <p:nvSpPr>
+          <p:cNvPr id="85" name="Rectangle 84"/>
+          <p:cNvSpPr/>
+          <p:nvPr/>
+        </p:nvSpPr>
+        <p:spPr>
+          <a:xfrm>
+            <a:off x="2936938" y="3726846"/>
+            <a:ext cx="407592" cy="305761"/>
+          </a:xfrm>
+          <a:prstGeom prst="rect">
+            <a:avLst/>
+          </a:prstGeom>
+          <a:solidFill>
+            <a:srgbClr val="0070C0"/>
+          </a:solidFill>
+          <a:ln w="6350">
+            <a:noFill/>
+            <a:miter lim="800000"/>
+          </a:ln>
+        </p:spPr>
+        <p:style>
+          <a:lnRef idx="2">
+            <a:schemeClr val="accent1">
+              <a:shade val="50000"/>
+            </a:schemeClr>
+          </a:lnRef>
+          <a:fillRef idx="1">
+            <a:schemeClr val="accent1"/>
+          </a:fillRef>
+          <a:effectRef idx="0">
+            <a:schemeClr val="accent1"/>
+          </a:effectRef>
+          <a:fontRef idx="minor">
+            <a:schemeClr val="lt1"/>
+          </a:fontRef>
+        </p:style>
+        <p:txBody>
+          <a:bodyPr rtlCol="0" anchor="ctr"/>
+          <a:lstStyle/>
+          <a:p>
+            <a:pPr algn="ctr"/>
+            <a:endParaRPr lang="en-US" dirty="0"/>
+          </a:p>
+        </p:txBody>
+      </p:sp>
+      <p:grpSp>
+        <p:nvGrpSpPr>
+          <p:cNvPr id="86" name="Group 85"/>
+          <p:cNvGrpSpPr/>
+          <p:nvPr/>
+        </p:nvGrpSpPr>
+        <p:grpSpPr>
+          <a:xfrm>
+            <a:off x="2665223" y="3373899"/>
+            <a:ext cx="838200" cy="838200"/>
+            <a:chOff x="1002575" y="1231726"/>
+            <a:chExt cx="838200" cy="838200"/>
+          </a:xfrm>
+        </p:grpSpPr>
+        <p:sp>
+          <p:nvSpPr>
+            <p:cNvPr id="87" name="Rectangle 86"/>
+            <p:cNvSpPr/>
+            <p:nvPr/>
+          </p:nvSpPr>
+          <p:spPr>
+            <a:xfrm>
+              <a:off x="1002575" y="1231726"/>
+              <a:ext cx="838200" cy="838200"/>
+            </a:xfrm>
+            <a:prstGeom prst="rect">
+              <a:avLst/>
+            </a:prstGeom>
+            <a:noFill/>
+            <a:ln>
+              <a:noFill/>
+            </a:ln>
+          </p:spPr>
+          <p:style>
+            <a:lnRef idx="2">
+              <a:schemeClr val="accent1">
+                <a:shade val="50000"/>
+              </a:schemeClr>
+            </a:lnRef>
+            <a:fillRef idx="1">
+              <a:schemeClr val="accent1"/>
+            </a:fillRef>
+            <a:effectRef idx="0">
+              <a:schemeClr val="accent1"/>
+            </a:effectRef>
+            <a:fontRef idx="minor">
+              <a:schemeClr val="lt1"/>
+            </a:fontRef>
+          </p:style>
+          <p:txBody>
+            <a:bodyPr rtlCol="0" anchor="ctr"/>
+            <a:lstStyle/>
+            <a:p>
+              <a:pPr algn="ctr"/>
+              <a:endParaRPr lang="en-SG"/>
+            </a:p>
+          </p:txBody>
+        </p:sp>
+        <p:sp>
+          <p:nvSpPr>
+            <p:cNvPr id="88" name="Rectangle 4"/>
+            <p:cNvSpPr/>
+            <p:nvPr/>
+          </p:nvSpPr>
+          <p:spPr>
+            <a:xfrm rot="16200000">
+              <a:off x="1071530" y="1304929"/>
+              <a:ext cx="700291" cy="690781"/>
+            </a:xfrm>
+            <a:custGeom>
+              <a:avLst/>
+              <a:gdLst/>
+              <a:ahLst/>
+              <a:cxnLst/>
+              <a:rect l="l" t="t" r="r" b="b"/>
+              <a:pathLst>
+                <a:path w="1752603" h="1752600">
+                  <a:moveTo>
+                    <a:pt x="533400" y="0"/>
+                  </a:moveTo>
+                  <a:lnTo>
+                    <a:pt x="533403" y="0"/>
+                  </a:lnTo>
+                  <a:lnTo>
+                    <a:pt x="1066800" y="0"/>
+                  </a:lnTo>
+                  <a:lnTo>
+                    <a:pt x="1752603" y="0"/>
+                  </a:lnTo>
+                  <a:lnTo>
+                    <a:pt x="1752603" y="1752600"/>
+                  </a:lnTo>
+                  <a:lnTo>
+                    <a:pt x="1219203" y="1752600"/>
+                  </a:lnTo>
+                  <a:lnTo>
+                    <a:pt x="533403" y="1752600"/>
+                  </a:lnTo>
+                  <a:lnTo>
+                    <a:pt x="3" y="1752600"/>
+                  </a:lnTo>
+                  <a:lnTo>
+                    <a:pt x="3" y="533430"/>
+                  </a:lnTo>
+                  <a:cubicBezTo>
+                    <a:pt x="0" y="533420"/>
+                    <a:pt x="0" y="533410"/>
+                    <a:pt x="0" y="533400"/>
+                  </a:cubicBezTo>
+                  <a:cubicBezTo>
+                    <a:pt x="0" y="238811"/>
+                    <a:pt x="238811" y="0"/>
+                    <a:pt x="533400" y="0"/>
+                  </a:cubicBezTo>
+                  <a:close/>
+                </a:path>
+              </a:pathLst>
+            </a:custGeom>
+            <a:noFill/>
+            <a:ln w="76200" cmpd="sng">
+              <a:solidFill>
+                <a:srgbClr val="0070C0"/>
+              </a:solidFill>
+              <a:miter lim="800000"/>
+            </a:ln>
+          </p:spPr>
+          <p:style>
+            <a:lnRef idx="2">
+              <a:schemeClr val="accent1">
+                <a:shade val="50000"/>
+              </a:schemeClr>
+            </a:lnRef>
+            <a:fillRef idx="1">
+              <a:schemeClr val="accent1"/>
+            </a:fillRef>
+            <a:effectRef idx="0">
+              <a:schemeClr val="accent1"/>
+            </a:effectRef>
+            <a:fontRef idx="minor">
+              <a:schemeClr val="lt1"/>
+            </a:fontRef>
+          </p:style>
+          <p:txBody>
+            <a:bodyPr rtlCol="0" anchor="ctr"/>
+            <a:lstStyle/>
+            <a:p>
+              <a:pPr algn="ctr"/>
+              <a:endParaRPr lang="en-US"/>
+            </a:p>
+          </p:txBody>
+        </p:sp>
+      </p:grpSp>
+      <p:sp>
+        <p:nvSpPr>
+          <p:cNvPr id="168" name="Freeform: Shape 167"/>
+          <p:cNvSpPr/>
+          <p:nvPr/>
+        </p:nvSpPr>
+        <p:spPr>
+          <a:xfrm>
+            <a:off x="3995331" y="3578807"/>
+            <a:ext cx="477948" cy="447308"/>
+          </a:xfrm>
+          <a:custGeom>
+            <a:avLst/>
+            <a:gdLst>
+              <a:gd name="connsiteX0" fmla="*/ 0 w 477948"/>
+              <a:gd name="connsiteY0" fmla="*/ 83351 h 447308"/>
+              <a:gd name="connsiteX1" fmla="*/ 46069 w 477948"/>
+              <a:gd name="connsiteY1" fmla="*/ 83351 h 447308"/>
+              <a:gd name="connsiteX2" fmla="*/ 83763 w 477948"/>
+              <a:gd name="connsiteY2" fmla="*/ 148379 h 447308"/>
+              <a:gd name="connsiteX3" fmla="*/ 83763 w 477948"/>
+              <a:gd name="connsiteY3" fmla="*/ 447308 h 447308"/>
+              <a:gd name="connsiteX4" fmla="*/ 116893 w 477948"/>
+              <a:gd name="connsiteY4" fmla="*/ 0 h 447308"/>
+              <a:gd name="connsiteX5" fmla="*/ 477948 w 477948"/>
+              <a:gd name="connsiteY5" fmla="*/ 146519 h 447308"/>
+              <a:gd name="connsiteX6" fmla="*/ 103951 w 477948"/>
+              <a:gd name="connsiteY6" fmla="*/ 146519 h 447308"/>
+              <a:gd name="connsiteX7" fmla="*/ 67335 w 477948"/>
+              <a:gd name="connsiteY7" fmla="*/ 83351 h 447308"/>
+              <a:gd name="connsiteX8" fmla="*/ 116893 w 477948"/>
+              <a:gd name="connsiteY8" fmla="*/ 83351 h 447308"/>
+            </a:gdLst>
+            <a:ahLst/>
+            <a:cxnLst>
+              <a:cxn ang="0">
+                <a:pos x="connsiteX0" y="connsiteY0"/>
+              </a:cxn>
+              <a:cxn ang="0">
+                <a:pos x="connsiteX1" y="connsiteY1"/>
+              </a:cxn>
+              <a:cxn ang="0">
+                <a:pos x="connsiteX2" y="connsiteY2"/>
+              </a:cxn>
+              <a:cxn ang="0">
+                <a:pos x="connsiteX3" y="connsiteY3"/>
+              </a:cxn>
+              <a:cxn ang="0">
+                <a:pos x="connsiteX4" y="connsiteY4"/>
+              </a:cxn>
+              <a:cxn ang="0">
+                <a:pos x="connsiteX5" y="connsiteY5"/>
+              </a:cxn>
+              <a:cxn ang="0">
+                <a:pos x="connsiteX6" y="connsiteY6"/>
+              </a:cxn>
+              <a:cxn ang="0">
+                <a:pos x="connsiteX7" y="connsiteY7"/>
+              </a:cxn>
+              <a:cxn ang="0">
+                <a:pos x="connsiteX8" y="connsiteY8"/>
+              </a:cxn>
+            </a:cxnLst>
+            <a:rect l="l" t="t" r="r" b="b"/>
+            <a:pathLst>
+              <a:path w="477948" h="447308">
+                <a:moveTo>
+                  <a:pt x="0" y="83351"/>
+                </a:moveTo>
+                <a:lnTo>
+                  <a:pt x="46069" y="83351"/>
+                </a:lnTo>
+                <a:lnTo>
+                  <a:pt x="83763" y="148379"/>
+                </a:lnTo>
+                <a:lnTo>
+                  <a:pt x="83763" y="447308"/>
+                </a:lnTo>
+                <a:close/>
+                <a:moveTo>
+                  <a:pt x="116893" y="0"/>
+                </a:moveTo>
+                <a:lnTo>
+                  <a:pt x="477948" y="146519"/>
+                </a:lnTo>
+                <a:lnTo>
+                  <a:pt x="103951" y="146519"/>
+                </a:lnTo>
+                <a:lnTo>
+                  <a:pt x="67335" y="83351"/>
+                </a:lnTo>
+                <a:lnTo>
+                  <a:pt x="116893" y="83351"/>
+                </a:lnTo>
+                <a:close/>
+              </a:path>
+            </a:pathLst>
+          </a:custGeom>
+          <a:solidFill>
+            <a:srgbClr val="F79646"/>
+          </a:solidFill>
+          <a:ln>
+            <a:noFill/>
+          </a:ln>
+        </p:spPr>
+        <p:style>
+          <a:lnRef idx="2">
+            <a:schemeClr val="accent1">
+              <a:shade val="50000"/>
+            </a:schemeClr>
+          </a:lnRef>
+          <a:fillRef idx="1">
+            <a:schemeClr val="accent1"/>
+          </a:fillRef>
+          <a:effectRef idx="0">
+            <a:schemeClr val="accent1"/>
+          </a:effectRef>
+          <a:fontRef idx="minor">
+            <a:schemeClr val="lt1"/>
+          </a:fontRef>
+        </p:style>
+        <p:txBody>
+          <a:bodyPr wrap="square" rtlCol="0" anchor="ctr">
+            <a:noAutofit/>
+          </a:bodyPr>
+          <a:lstStyle/>
+          <a:p>
+            <a:pPr algn="ctr"/>
+            <a:endParaRPr lang="en-US"/>
+          </a:p>
+        </p:txBody>
+      </p:sp>
+      <p:sp>
+        <p:nvSpPr>
+          <p:cNvPr id="127" name="Rectangle 126"/>
+          <p:cNvSpPr/>
+          <p:nvPr/>
+        </p:nvSpPr>
+        <p:spPr>
+          <a:xfrm>
+            <a:off x="4097088" y="3740631"/>
+            <a:ext cx="407592" cy="305761"/>
+          </a:xfrm>
+          <a:prstGeom prst="rect">
+            <a:avLst/>
+          </a:prstGeom>
+          <a:solidFill>
+            <a:srgbClr val="0070C0"/>
+          </a:solidFill>
+          <a:ln w="6350">
+            <a:noFill/>
+            <a:miter lim="800000"/>
+          </a:ln>
+        </p:spPr>
+        <p:style>
+          <a:lnRef idx="2">
+            <a:schemeClr val="accent1">
+              <a:shade val="50000"/>
+            </a:schemeClr>
+          </a:lnRef>
+          <a:fillRef idx="1">
+            <a:schemeClr val="accent1"/>
+          </a:fillRef>
+          <a:effectRef idx="0">
+            <a:schemeClr val="accent1"/>
+          </a:effectRef>
+          <a:fontRef idx="minor">
+            <a:schemeClr val="lt1"/>
+          </a:fontRef>
+        </p:style>
+        <p:txBody>
+          <a:bodyPr rtlCol="0" anchor="ctr"/>
+          <a:lstStyle/>
+          <a:p>
+            <a:pPr algn="ctr"/>
+            <a:endParaRPr lang="en-US" dirty="0"/>
+          </a:p>
+        </p:txBody>
+      </p:sp>
+      <p:grpSp>
+        <p:nvGrpSpPr>
+          <p:cNvPr id="128" name="Group 127"/>
+          <p:cNvGrpSpPr/>
+          <p:nvPr/>
+        </p:nvGrpSpPr>
+        <p:grpSpPr>
+          <a:xfrm>
+            <a:off x="3825373" y="3390342"/>
+            <a:ext cx="838200" cy="838200"/>
+            <a:chOff x="1002575" y="1231726"/>
+            <a:chExt cx="838200" cy="838200"/>
+          </a:xfrm>
+        </p:grpSpPr>
+        <p:sp>
+          <p:nvSpPr>
+            <p:cNvPr id="138" name="Rectangle 137"/>
+            <p:cNvSpPr/>
+            <p:nvPr/>
+          </p:nvSpPr>
+          <p:spPr>
+            <a:xfrm>
+              <a:off x="1002575" y="1231726"/>
+              <a:ext cx="838200" cy="838200"/>
+            </a:xfrm>
+            <a:prstGeom prst="rect">
+              <a:avLst/>
+            </a:prstGeom>
+            <a:noFill/>
+            <a:ln>
+              <a:noFill/>
+            </a:ln>
+          </p:spPr>
+          <p:style>
+            <a:lnRef idx="2">
+              <a:schemeClr val="accent1">
+                <a:shade val="50000"/>
+              </a:schemeClr>
+            </a:lnRef>
+            <a:fillRef idx="1">
+              <a:schemeClr val="accent1"/>
+            </a:fillRef>
+            <a:effectRef idx="0">
+              <a:schemeClr val="accent1"/>
+            </a:effectRef>
+            <a:fontRef idx="minor">
+              <a:schemeClr val="lt1"/>
+            </a:fontRef>
+          </p:style>
+          <p:txBody>
+            <a:bodyPr rtlCol="0" anchor="ctr"/>
+            <a:lstStyle/>
+            <a:p>
+              <a:pPr algn="ctr"/>
+              <a:endParaRPr lang="en-SG"/>
+            </a:p>
+          </p:txBody>
+        </p:sp>
+        <p:sp>
+          <p:nvSpPr>
+            <p:cNvPr id="146" name="Rectangle 4"/>
+            <p:cNvSpPr/>
+            <p:nvPr/>
+          </p:nvSpPr>
+          <p:spPr>
+            <a:xfrm rot="16200000">
+              <a:off x="1071530" y="1304929"/>
+              <a:ext cx="700291" cy="690781"/>
+            </a:xfrm>
+            <a:custGeom>
+              <a:avLst/>
+              <a:gdLst/>
+              <a:ahLst/>
+              <a:cxnLst/>
+              <a:rect l="l" t="t" r="r" b="b"/>
+              <a:pathLst>
+                <a:path w="1752603" h="1752600">
+                  <a:moveTo>
+                    <a:pt x="533400" y="0"/>
+                  </a:moveTo>
+                  <a:lnTo>
+                    <a:pt x="533403" y="0"/>
+                  </a:lnTo>
+                  <a:lnTo>
+                    <a:pt x="1066800" y="0"/>
+                  </a:lnTo>
+                  <a:lnTo>
+                    <a:pt x="1752603" y="0"/>
+                  </a:lnTo>
+                  <a:lnTo>
+                    <a:pt x="1752603" y="1752600"/>
+                  </a:lnTo>
+                  <a:lnTo>
+                    <a:pt x="1219203" y="1752600"/>
+                  </a:lnTo>
+                  <a:lnTo>
+                    <a:pt x="533403" y="1752600"/>
+                  </a:lnTo>
+                  <a:lnTo>
+                    <a:pt x="3" y="1752600"/>
+                  </a:lnTo>
+                  <a:lnTo>
+                    <a:pt x="3" y="533430"/>
+                  </a:lnTo>
+                  <a:cubicBezTo>
+                    <a:pt x="0" y="533420"/>
+                    <a:pt x="0" y="533410"/>
+                    <a:pt x="0" y="533400"/>
+                  </a:cubicBezTo>
+                  <a:cubicBezTo>
+                    <a:pt x="0" y="238811"/>
+                    <a:pt x="238811" y="0"/>
+                    <a:pt x="533400" y="0"/>
+                  </a:cubicBezTo>
+                  <a:close/>
+                </a:path>
+              </a:pathLst>
+            </a:custGeom>
+            <a:noFill/>
+            <a:ln w="76200" cmpd="sng">
+              <a:solidFill>
+                <a:srgbClr val="0070C0"/>
+              </a:solidFill>
+              <a:miter lim="800000"/>
+            </a:ln>
+          </p:spPr>
+          <p:style>
+            <a:lnRef idx="2">
+              <a:schemeClr val="accent1">
+                <a:shade val="50000"/>
+              </a:schemeClr>
+            </a:lnRef>
+            <a:fillRef idx="1">
+              <a:schemeClr val="accent1"/>
+            </a:fillRef>
+            <a:effectRef idx="0">
+              <a:schemeClr val="accent1"/>
+            </a:effectRef>
+            <a:fontRef idx="minor">
+              <a:schemeClr val="lt1"/>
+            </a:fontRef>
+          </p:style>
+          <p:txBody>
+            <a:bodyPr rtlCol="0" anchor="ctr"/>
+            <a:lstStyle/>
+            <a:p>
+              <a:pPr algn="ctr"/>
+              <a:endParaRPr lang="en-US"/>
+            </a:p>
+          </p:txBody>
+        </p:sp>
+      </p:grpSp>
+      <p:sp>
+        <p:nvSpPr>
+          <p:cNvPr id="169" name="Freeform: Shape 168"/>
+          <p:cNvSpPr/>
+          <p:nvPr/>
+        </p:nvSpPr>
+        <p:spPr>
+          <a:xfrm>
+            <a:off x="3995331" y="3572212"/>
+            <a:ext cx="104768" cy="78593"/>
+          </a:xfrm>
+          <a:custGeom>
+            <a:avLst/>
+            <a:gdLst>
+              <a:gd name="connsiteX0" fmla="*/ 0 w 104768"/>
+              <a:gd name="connsiteY0" fmla="*/ 10470 h 78593"/>
+              <a:gd name="connsiteX1" fmla="*/ 39488 w 104768"/>
+              <a:gd name="connsiteY1" fmla="*/ 78593 h 78593"/>
+              <a:gd name="connsiteX2" fmla="*/ 0 w 104768"/>
+              <a:gd name="connsiteY2" fmla="*/ 78593 h 78593"/>
+              <a:gd name="connsiteX3" fmla="*/ 15197 w 104768"/>
+              <a:gd name="connsiteY3" fmla="*/ 0 h 78593"/>
+              <a:gd name="connsiteX4" fmla="*/ 104768 w 104768"/>
+              <a:gd name="connsiteY4" fmla="*/ 0 h 78593"/>
+              <a:gd name="connsiteX5" fmla="*/ 104768 w 104768"/>
+              <a:gd name="connsiteY5" fmla="*/ 78593 h 78593"/>
+              <a:gd name="connsiteX6" fmla="*/ 60754 w 104768"/>
+              <a:gd name="connsiteY6" fmla="*/ 78593 h 78593"/>
+            </a:gdLst>
+            <a:ahLst/>
+            <a:cxnLst>
+              <a:cxn ang="0">
+                <a:pos x="connsiteX0" y="connsiteY0"/>
+              </a:cxn>
+              <a:cxn ang="0">
+                <a:pos x="connsiteX1" y="connsiteY1"/>
+              </a:cxn>
+              <a:cxn ang="0">
+                <a:pos x="connsiteX2" y="connsiteY2"/>
+              </a:cxn>
+              <a:cxn ang="0">
+                <a:pos x="connsiteX3" y="connsiteY3"/>
+              </a:cxn>
+              <a:cxn ang="0">
+                <a:pos x="connsiteX4" y="connsiteY4"/>
+              </a:cxn>
+              <a:cxn ang="0">
+                <a:pos x="connsiteX5" y="connsiteY5"/>
+              </a:cxn>
+              <a:cxn ang="0">
+                <a:pos x="connsiteX6" y="connsiteY6"/>
+              </a:cxn>
+            </a:cxnLst>
+            <a:rect l="l" t="t" r="r" b="b"/>
+            <a:pathLst>
+              <a:path w="104768" h="78593">
+                <a:moveTo>
+                  <a:pt x="0" y="10470"/>
+                </a:moveTo>
+                <a:lnTo>
+                  <a:pt x="39488" y="78593"/>
+                </a:lnTo>
+                <a:lnTo>
+                  <a:pt x="0" y="78593"/>
+                </a:lnTo>
+                <a:close/>
+                <a:moveTo>
+                  <a:pt x="15197" y="0"/>
+                </a:moveTo>
+                <a:lnTo>
+                  <a:pt x="104768" y="0"/>
+                </a:lnTo>
+                <a:lnTo>
+                  <a:pt x="104768" y="78593"/>
+                </a:lnTo>
+                <a:lnTo>
+                  <a:pt x="60754" y="78593"/>
+                </a:lnTo>
+                <a:close/>
+              </a:path>
+            </a:pathLst>
+          </a:custGeom>
+          <a:solidFill>
+            <a:srgbClr val="0070C0"/>
+          </a:solidFill>
+          <a:ln w="6350">
+            <a:noFill/>
+            <a:miter lim="800000"/>
+          </a:ln>
+        </p:spPr>
+        <p:style>
+          <a:lnRef idx="2">
+            <a:schemeClr val="accent1">
+              <a:shade val="50000"/>
+            </a:schemeClr>
+          </a:lnRef>
+          <a:fillRef idx="1">
+            <a:schemeClr val="accent1"/>
+          </a:fillRef>
+          <a:effectRef idx="0">
+            <a:schemeClr val="accent1"/>
+          </a:effectRef>
+          <a:fontRef idx="minor">
+            <a:schemeClr val="lt1"/>
+          </a:fontRef>
+        </p:style>
+        <p:txBody>
+          <a:bodyPr wrap="square" rtlCol="0" anchor="ctr">
+            <a:noAutofit/>
+          </a:bodyPr>
+          <a:lstStyle/>
+          <a:p>
+            <a:pPr algn="ctr"/>
+            <a:endParaRPr lang="en-US" dirty="0"/>
+          </a:p>
+        </p:txBody>
+      </p:sp>
     </p:spTree>
     <p:extLst>
       <p:ext uri="{BB962C8B-B14F-4D97-AF65-F5344CB8AC3E}">
